--- a/meeting_20240301.pptx
+++ b/meeting_20240301.pptx
@@ -110,6 +110,11 @@
       </a:defRPr>
     </a:lvl9pPr>
   </p:defaultTextStyle>
+  <p:extLst>
+    <p:ext uri="{EFAFB233-063F-42B5-8137-9DF3F51BA10A}">
+      <p15:sldGuideLst xmlns:p15="http://schemas.microsoft.com/office/powerpoint/2012/main"/>
+    </p:ext>
+  </p:extLst>
 </p:presentation>
 </file>
 
@@ -260,7 +265,7 @@
           <a:p>
             <a:fld id="{0A0FEFD2-CDE4-F344-954F-518C6AE15C4B}" type="datetimeFigureOut">
               <a:rPr lang="en-US" smtClean="0"/>
-              <a:t>2/23/24</a:t>
+              <a:t>2/26/24</a:t>
             </a:fld>
             <a:endParaRPr lang="en-US"/>
           </a:p>
@@ -458,7 +463,7 @@
           <a:p>
             <a:fld id="{0A0FEFD2-CDE4-F344-954F-518C6AE15C4B}" type="datetimeFigureOut">
               <a:rPr lang="en-US" smtClean="0"/>
-              <a:t>2/23/24</a:t>
+              <a:t>2/26/24</a:t>
             </a:fld>
             <a:endParaRPr lang="en-US"/>
           </a:p>
@@ -666,7 +671,7 @@
           <a:p>
             <a:fld id="{0A0FEFD2-CDE4-F344-954F-518C6AE15C4B}" type="datetimeFigureOut">
               <a:rPr lang="en-US" smtClean="0"/>
-              <a:t>2/23/24</a:t>
+              <a:t>2/26/24</a:t>
             </a:fld>
             <a:endParaRPr lang="en-US"/>
           </a:p>
@@ -864,7 +869,7 @@
           <a:p>
             <a:fld id="{0A0FEFD2-CDE4-F344-954F-518C6AE15C4B}" type="datetimeFigureOut">
               <a:rPr lang="en-US" smtClean="0"/>
-              <a:t>2/23/24</a:t>
+              <a:t>2/26/24</a:t>
             </a:fld>
             <a:endParaRPr lang="en-US"/>
           </a:p>
@@ -1139,7 +1144,7 @@
           <a:p>
             <a:fld id="{0A0FEFD2-CDE4-F344-954F-518C6AE15C4B}" type="datetimeFigureOut">
               <a:rPr lang="en-US" smtClean="0"/>
-              <a:t>2/23/24</a:t>
+              <a:t>2/26/24</a:t>
             </a:fld>
             <a:endParaRPr lang="en-US"/>
           </a:p>
@@ -1404,7 +1409,7 @@
           <a:p>
             <a:fld id="{0A0FEFD2-CDE4-F344-954F-518C6AE15C4B}" type="datetimeFigureOut">
               <a:rPr lang="en-US" smtClean="0"/>
-              <a:t>2/23/24</a:t>
+              <a:t>2/26/24</a:t>
             </a:fld>
             <a:endParaRPr lang="en-US"/>
           </a:p>
@@ -1816,7 +1821,7 @@
           <a:p>
             <a:fld id="{0A0FEFD2-CDE4-F344-954F-518C6AE15C4B}" type="datetimeFigureOut">
               <a:rPr lang="en-US" smtClean="0"/>
-              <a:t>2/23/24</a:t>
+              <a:t>2/26/24</a:t>
             </a:fld>
             <a:endParaRPr lang="en-US"/>
           </a:p>
@@ -1957,7 +1962,7 @@
           <a:p>
             <a:fld id="{0A0FEFD2-CDE4-F344-954F-518C6AE15C4B}" type="datetimeFigureOut">
               <a:rPr lang="en-US" smtClean="0"/>
-              <a:t>2/23/24</a:t>
+              <a:t>2/26/24</a:t>
             </a:fld>
             <a:endParaRPr lang="en-US"/>
           </a:p>
@@ -2070,7 +2075,7 @@
           <a:p>
             <a:fld id="{0A0FEFD2-CDE4-F344-954F-518C6AE15C4B}" type="datetimeFigureOut">
               <a:rPr lang="en-US" smtClean="0"/>
-              <a:t>2/23/24</a:t>
+              <a:t>2/26/24</a:t>
             </a:fld>
             <a:endParaRPr lang="en-US"/>
           </a:p>
@@ -2381,7 +2386,7 @@
           <a:p>
             <a:fld id="{0A0FEFD2-CDE4-F344-954F-518C6AE15C4B}" type="datetimeFigureOut">
               <a:rPr lang="en-US" smtClean="0"/>
-              <a:t>2/23/24</a:t>
+              <a:t>2/26/24</a:t>
             </a:fld>
             <a:endParaRPr lang="en-US"/>
           </a:p>
@@ -2669,7 +2674,7 @@
           <a:p>
             <a:fld id="{0A0FEFD2-CDE4-F344-954F-518C6AE15C4B}" type="datetimeFigureOut">
               <a:rPr lang="en-US" smtClean="0"/>
-              <a:t>2/23/24</a:t>
+              <a:t>2/26/24</a:t>
             </a:fld>
             <a:endParaRPr lang="en-US"/>
           </a:p>
@@ -2910,7 +2915,7 @@
           <a:p>
             <a:fld id="{0A0FEFD2-CDE4-F344-954F-518C6AE15C4B}" type="datetimeFigureOut">
               <a:rPr lang="en-US" smtClean="0"/>
-              <a:t>2/23/24</a:t>
+              <a:t>2/26/24</a:t>
             </a:fld>
             <a:endParaRPr lang="en-US"/>
           </a:p>
@@ -5934,6 +5939,41 @@
           </a:p>
         </p:txBody>
       </p:sp>
+      <p:sp>
+        <p:nvSpPr>
+          <p:cNvPr id="3" name="TextBox 2">
+            <a:extLst>
+              <a:ext uri="{FF2B5EF4-FFF2-40B4-BE49-F238E27FC236}">
+                <a16:creationId xmlns:a16="http://schemas.microsoft.com/office/drawing/2014/main" id="{2EE80805-FAB6-4AC3-B466-7C89D3CE54CB}"/>
+              </a:ext>
+            </a:extLst>
+          </p:cNvPr>
+          <p:cNvSpPr txBox="1"/>
+          <p:nvPr/>
+        </p:nvSpPr>
+        <p:spPr>
+          <a:xfrm>
+            <a:off x="5831278" y="2949033"/>
+            <a:ext cx="6095900" cy="461665"/>
+          </a:xfrm>
+          <a:prstGeom prst="rect">
+            <a:avLst/>
+          </a:prstGeom>
+          <a:noFill/>
+        </p:spPr>
+        <p:txBody>
+          <a:bodyPr wrap="none" rtlCol="0">
+            <a:spAutoFit/>
+          </a:bodyPr>
+          <a:lstStyle/>
+          <a:p>
+            <a:r>
+              <a:rPr lang="en-US" sz="2400" dirty="0"/>
+              <a:t>Sum of weighted RP score = gene activity score </a:t>
+            </a:r>
+          </a:p>
+        </p:txBody>
+      </p:sp>
     </p:spTree>
     <p:extLst>
       <p:ext uri="{BB962C8B-B14F-4D97-AF65-F5344CB8AC3E}">
@@ -6114,6 +6154,51 @@
                       </p:childTnLst>
                     </p:cTn>
                   </p:par>
+                  <p:par>
+                    <p:cTn id="17" fill="hold">
+                      <p:stCondLst>
+                        <p:cond delay="indefinite"/>
+                      </p:stCondLst>
+                      <p:childTnLst>
+                        <p:par>
+                          <p:cTn id="18" fill="hold">
+                            <p:stCondLst>
+                              <p:cond delay="0"/>
+                            </p:stCondLst>
+                            <p:childTnLst>
+                              <p:par>
+                                <p:cTn id="19" presetID="1" presetClass="entr" presetSubtype="0" fill="hold" grpId="0" nodeType="clickEffect">
+                                  <p:stCondLst>
+                                    <p:cond delay="0"/>
+                                  </p:stCondLst>
+                                  <p:childTnLst>
+                                    <p:set>
+                                      <p:cBhvr>
+                                        <p:cTn id="20" dur="1" fill="hold">
+                                          <p:stCondLst>
+                                            <p:cond delay="0"/>
+                                          </p:stCondLst>
+                                        </p:cTn>
+                                        <p:tgtEl>
+                                          <p:spTgt spid="3"/>
+                                        </p:tgtEl>
+                                        <p:attrNameLst>
+                                          <p:attrName>style.visibility</p:attrName>
+                                        </p:attrNameLst>
+                                      </p:cBhvr>
+                                      <p:to>
+                                        <p:strVal val="visible"/>
+                                      </p:to>
+                                    </p:set>
+                                  </p:childTnLst>
+                                </p:cTn>
+                              </p:par>
+                            </p:childTnLst>
+                          </p:cTn>
+                        </p:par>
+                      </p:childTnLst>
+                    </p:cTn>
+                  </p:par>
                 </p:childTnLst>
               </p:cTn>
               <p:prevCondLst>
@@ -6139,6 +6224,7 @@
       <p:bldP spid="24" grpId="0"/>
       <p:bldP spid="25" grpId="0"/>
       <p:bldP spid="27" grpId="0"/>
+      <p:bldP spid="3" grpId="0"/>
     </p:bldLst>
   </p:timing>
 </p:sld>
